--- a/Richardson Arms Race Model.pptx
+++ b/Richardson Arms Race Model.pptx
@@ -405,7 +405,7 @@
           <a:p>
             <a:fld id="{AF239A9A-B4B0-4B32-B8CD-2E25E95134C4}" type="datetimeFigureOut">
               <a:rPr lang="en-US" dirty="0"/>
-              <a:t>12/17/2020</a:t>
+              <a:t>12/18/2020</a:t>
             </a:fld>
             <a:endParaRPr lang="en-US" dirty="0"/>
           </a:p>
@@ -814,7 +814,7 @@
           <a:p>
             <a:fld id="{F25518A9-B687-4302-9395-2322403C6656}" type="datetimeFigureOut">
               <a:rPr lang="en-US" dirty="0"/>
-              <a:t>12/17/2020</a:t>
+              <a:t>12/18/2020</a:t>
             </a:fld>
             <a:endParaRPr lang="en-US" dirty="0"/>
           </a:p>
@@ -1145,7 +1145,7 @@
           <a:p>
             <a:fld id="{1A99A684-0CB7-41E9-A4DF-5D1C2CA5BF6F}" type="datetimeFigureOut">
               <a:rPr lang="en-US" dirty="0"/>
-              <a:t>12/17/2020</a:t>
+              <a:t>12/18/2020</a:t>
             </a:fld>
             <a:endParaRPr lang="en-US" dirty="0"/>
           </a:p>
@@ -1545,7 +1545,7 @@
           <a:p>
             <a:fld id="{FEDD7C35-9E19-4518-A4B2-3B09CD8CC756}" type="datetimeFigureOut">
               <a:rPr lang="en-US" dirty="0"/>
-              <a:t>12/17/2020</a:t>
+              <a:t>12/18/2020</a:t>
             </a:fld>
             <a:endParaRPr lang="en-US" dirty="0"/>
           </a:p>
@@ -2108,7 +2108,7 @@
           <a:p>
             <a:fld id="{26196DA8-8897-4DDF-BFB6-5D83863C837A}" type="datetimeFigureOut">
               <a:rPr lang="en-US" dirty="0"/>
-              <a:t>12/17/2020</a:t>
+              <a:t>12/18/2020</a:t>
             </a:fld>
             <a:endParaRPr lang="en-US" dirty="0"/>
           </a:p>
@@ -2784,7 +2784,7 @@
           <a:p>
             <a:fld id="{DCBBA708-C5F0-412D-90E2-1919F0D196AE}" type="datetimeFigureOut">
               <a:rPr lang="en-US" dirty="0"/>
-              <a:t>12/17/2020</a:t>
+              <a:t>12/18/2020</a:t>
             </a:fld>
             <a:endParaRPr lang="en-US" dirty="0"/>
           </a:p>
@@ -3692,7 +3692,7 @@
           <a:p>
             <a:fld id="{A9C8F8FA-EF43-4642-9368-3F4E33039BD9}" type="datetimeFigureOut">
               <a:rPr lang="en-US" dirty="0"/>
-              <a:t>12/17/2020</a:t>
+              <a:t>12/18/2020</a:t>
             </a:fld>
             <a:endParaRPr lang="en-US" dirty="0"/>
           </a:p>
@@ -4000,7 +4000,7 @@
           <a:p>
             <a:fld id="{6B61E721-B01C-4D5D-A3CA-2E5518383F10}" type="datetimeFigureOut">
               <a:rPr lang="en-US" dirty="0"/>
-              <a:t>12/17/2020</a:t>
+              <a:t>12/18/2020</a:t>
             </a:fld>
             <a:endParaRPr lang="en-US" dirty="0"/>
           </a:p>
@@ -4259,7 +4259,7 @@
           <a:p>
             <a:fld id="{6513FEF9-69D0-4F8C-A336-59491FBEDC47}" type="datetimeFigureOut">
               <a:rPr lang="en-US" dirty="0"/>
-              <a:t>12/17/2020</a:t>
+              <a:t>12/18/2020</a:t>
             </a:fld>
             <a:endParaRPr lang="en-US" dirty="0"/>
           </a:p>
@@ -4596,7 +4596,7 @@
           <a:p>
             <a:fld id="{A91E21DC-8981-44E6-BC8C-2BA8F673FFBB}" type="datetimeFigureOut">
               <a:rPr lang="en-US" dirty="0"/>
-              <a:t>12/17/2020</a:t>
+              <a:t>12/18/2020</a:t>
             </a:fld>
             <a:endParaRPr lang="en-US" dirty="0"/>
           </a:p>
@@ -4980,7 +4980,7 @@
           <a:p>
             <a:fld id="{AEB9C5D3-0140-4E75-8D7F-C0623D06DFD7}" type="datetimeFigureOut">
               <a:rPr lang="en-US" dirty="0"/>
-              <a:t>12/17/2020</a:t>
+              <a:t>12/18/2020</a:t>
             </a:fld>
             <a:endParaRPr lang="en-US" dirty="0"/>
           </a:p>
@@ -5351,7 +5351,7 @@
           <a:p>
             <a:fld id="{3A5666F9-5B40-48E0-8DFD-99EF944CDD22}" type="datetimeFigureOut">
               <a:rPr lang="en-US" dirty="0"/>
-              <a:t>12/17/2020</a:t>
+              <a:t>12/18/2020</a:t>
             </a:fld>
             <a:endParaRPr lang="en-US" dirty="0"/>
           </a:p>
@@ -5852,7 +5852,7 @@
           <a:p>
             <a:fld id="{2A698D6B-2C72-4E21-9893-A649C6E2A47D}" type="datetimeFigureOut">
               <a:rPr lang="en-US" dirty="0"/>
-              <a:t>12/17/2020</a:t>
+              <a:t>12/18/2020</a:t>
             </a:fld>
             <a:endParaRPr lang="en-US" dirty="0"/>
           </a:p>
@@ -6104,7 +6104,7 @@
           <a:p>
             <a:fld id="{C86811C9-A66C-49F0-970E-F7B68D9109A0}" type="datetimeFigureOut">
               <a:rPr lang="en-US" dirty="0"/>
-              <a:t>12/17/2020</a:t>
+              <a:t>12/18/2020</a:t>
             </a:fld>
             <a:endParaRPr lang="en-US" dirty="0"/>
           </a:p>
@@ -6262,7 +6262,7 @@
           <a:p>
             <a:fld id="{6C01AE78-96A2-4A23-B183-3B6DB4374FE7}" type="datetimeFigureOut">
               <a:rPr lang="en-US" dirty="0"/>
-              <a:t>12/17/2020</a:t>
+              <a:t>12/18/2020</a:t>
             </a:fld>
             <a:endParaRPr lang="en-US" dirty="0"/>
           </a:p>
@@ -6647,7 +6647,7 @@
           <a:p>
             <a:fld id="{73AE0757-B101-4811-9189-10EB2F458E2D}" type="datetimeFigureOut">
               <a:rPr lang="en-US" dirty="0"/>
-              <a:t>12/17/2020</a:t>
+              <a:t>12/18/2020</a:t>
             </a:fld>
             <a:endParaRPr lang="en-US" dirty="0"/>
           </a:p>
@@ -7051,7 +7051,7 @@
           <a:p>
             <a:fld id="{7EBDC078-589F-40E3-816C-EE21D62B5BBA}" type="datetimeFigureOut">
               <a:rPr lang="en-US" dirty="0"/>
-              <a:t>12/17/2020</a:t>
+              <a:t>12/18/2020</a:t>
             </a:fld>
             <a:endParaRPr lang="en-US" dirty="0"/>
           </a:p>
@@ -7290,7 +7290,7 @@
           <a:p>
             <a:fld id="{C7004436-CA73-4D53-89B4-2A5C7347BF2F}" type="datetimeFigureOut">
               <a:rPr lang="en-US" dirty="0"/>
-              <a:t>12/17/2020</a:t>
+              <a:t>12/18/2020</a:t>
             </a:fld>
             <a:endParaRPr lang="en-US" dirty="0"/>
           </a:p>
@@ -8743,8 +8743,8 @@
           </a:p>
         </p:txBody>
       </p:sp>
-      <mc:AlternateContent xmlns:mc="http://schemas.openxmlformats.org/markup-compatibility/2006">
-        <mc:Choice xmlns:a14="http://schemas.microsoft.com/office/drawing/2010/main" Requires="a14">
+      <mc:AlternateContent xmlns:mc="http://schemas.openxmlformats.org/markup-compatibility/2006" xmlns:a14="http://schemas.microsoft.com/office/drawing/2010/main">
+        <mc:Choice Requires="a14">
           <p:sp>
             <p:nvSpPr>
               <p:cNvPr id="3" name="Content Placeholder 2"/>
@@ -8860,7 +8860,7 @@
             </p:txBody>
           </p:sp>
         </mc:Choice>
-        <mc:Fallback>
+        <mc:Fallback xmlns="">
           <p:sp>
             <p:nvSpPr>
               <p:cNvPr id="3" name="Content Placeholder 2"/>
@@ -9125,7 +9125,13 @@
       </p:sp>
       <p:pic>
         <p:nvPicPr>
-          <p:cNvPr id="4" name="Picture 3"/>
+          <p:cNvPr id="7" name="Picture 6">
+            <a:extLst>
+              <a:ext uri="{FF2B5EF4-FFF2-40B4-BE49-F238E27FC236}">
+                <a16:creationId xmlns:a16="http://schemas.microsoft.com/office/drawing/2014/main" id="{F2C63B74-5D06-473E-B356-B5799B78E738}"/>
+              </a:ext>
+            </a:extLst>
+          </p:cNvPr>
           <p:cNvPicPr>
             <a:picLocks noChangeAspect="1"/>
           </p:cNvPicPr>
@@ -9139,8 +9145,8 @@
         </p:blipFill>
         <p:spPr>
           <a:xfrm>
-            <a:off x="680321" y="3286107"/>
-            <a:ext cx="3621713" cy="2542395"/>
+            <a:off x="5193437" y="3286107"/>
+            <a:ext cx="3712392" cy="2595070"/>
           </a:xfrm>
           <a:prstGeom prst="rect">
             <a:avLst/>
@@ -9149,10 +9155,10 @@
       </p:pic>
       <p:pic>
         <p:nvPicPr>
-          <p:cNvPr id="7" name="Picture 6">
+          <p:cNvPr id="6" name="Picture 5">
             <a:extLst>
               <a:ext uri="{FF2B5EF4-FFF2-40B4-BE49-F238E27FC236}">
-                <a16:creationId xmlns:a16="http://schemas.microsoft.com/office/drawing/2014/main" id="{F2C63B74-5D06-473E-B356-B5799B78E738}"/>
+                <a16:creationId xmlns:a16="http://schemas.microsoft.com/office/drawing/2014/main" id="{2685B817-6B52-4FC1-9B71-A409CEE5B479}"/>
               </a:ext>
             </a:extLst>
           </p:cNvPr>
@@ -9169,8 +9175,8 @@
         </p:blipFill>
         <p:spPr>
           <a:xfrm>
-            <a:off x="5193437" y="3286107"/>
-            <a:ext cx="3712392" cy="2595070"/>
+            <a:off x="680322" y="3286107"/>
+            <a:ext cx="3616470" cy="2616299"/>
           </a:xfrm>
           <a:prstGeom prst="rect">
             <a:avLst/>
